--- a/Centuri.pptx
+++ b/Centuri.pptx
@@ -10303,7 +10303,6 @@
             </a:r>
             <a:r>
               <a:rPr lang="id-ID" altLang="en-GB" sz="4000">
-                <a:ln/>
                 <a:solidFill>
                   <a:schemeClr val="accent1"/>
                 </a:solidFill>
@@ -10318,7 +10317,6 @@
               <a:t>Tech</a:t>
             </a:r>
             <a:endParaRPr lang="id-ID" altLang="en-GB" sz="4000">
-              <a:ln/>
               <a:solidFill>
                 <a:schemeClr val="accent1"/>
               </a:solidFill>
@@ -14991,78 +14989,6 @@
                 <a:cs typeface="+mn-ea"/>
                 <a:sym typeface="+mn-ea"/>
               </a:rPr>
-              <a:t>Competition</a:t>
-            </a:r>
-            <a:endParaRPr lang="en-US" sz="2000" dirty="0">
-              <a:latin typeface="+mn-ea"/>
-              <a:cs typeface="+mn-ea"/>
-            </a:endParaRPr>
-          </a:p>
-          <a:p>
-            <a:pPr marL="342900" lvl="0" indent="-342900" algn="l" rtl="0">
-              <a:spcBef>
-                <a:spcPts val="600"/>
-              </a:spcBef>
-              <a:spcAft>
-                <a:spcPts val="0"/>
-              </a:spcAft>
-              <a:buFont typeface="Wingdings" panose="05000000000000000000" charset="0"/>
-              <a:buChar char="§"/>
-            </a:pPr>
-            <a:r>
-              <a:rPr lang="en-US" sz="2000" dirty="0" smtClean="0">
-                <a:latin typeface="+mn-ea"/>
-                <a:cs typeface="+mn-ea"/>
-                <a:sym typeface="+mn-ea"/>
-              </a:rPr>
-              <a:t>Feasibility of Implementation</a:t>
-            </a:r>
-            <a:endParaRPr lang="en-US" sz="2000" dirty="0" smtClean="0">
-              <a:latin typeface="+mn-ea"/>
-              <a:cs typeface="+mn-ea"/>
-            </a:endParaRPr>
-          </a:p>
-          <a:p>
-            <a:pPr marL="342900" lvl="0" indent="-342900" algn="l" rtl="0">
-              <a:spcBef>
-                <a:spcPts val="600"/>
-              </a:spcBef>
-              <a:spcAft>
-                <a:spcPts val="0"/>
-              </a:spcAft>
-              <a:buFont typeface="Wingdings" panose="05000000000000000000" charset="0"/>
-              <a:buChar char="§"/>
-            </a:pPr>
-            <a:r>
-              <a:rPr lang="en-US" sz="2000" dirty="0" smtClean="0">
-                <a:latin typeface="+mn-ea"/>
-                <a:cs typeface="+mn-ea"/>
-                <a:sym typeface="+mn-ea"/>
-              </a:rPr>
-              <a:t>Demo/Prototype</a:t>
-            </a:r>
-            <a:endParaRPr lang="en-US" sz="2000" dirty="0" smtClean="0">
-              <a:latin typeface="+mn-ea"/>
-              <a:cs typeface="+mn-ea"/>
-            </a:endParaRPr>
-          </a:p>
-          <a:p>
-            <a:pPr marL="342900" lvl="0" indent="-342900" algn="l" rtl="0">
-              <a:spcBef>
-                <a:spcPts val="600"/>
-              </a:spcBef>
-              <a:spcAft>
-                <a:spcPts val="0"/>
-              </a:spcAft>
-              <a:buFont typeface="Wingdings" panose="05000000000000000000" charset="0"/>
-              <a:buChar char="§"/>
-            </a:pPr>
-            <a:r>
-              <a:rPr lang="en-US" sz="2000" dirty="0" smtClean="0">
-                <a:latin typeface="+mn-ea"/>
-                <a:cs typeface="+mn-ea"/>
-                <a:sym typeface="+mn-ea"/>
-              </a:rPr>
               <a:t>Q&amp;A</a:t>
             </a:r>
             <a:endParaRPr lang="en-US" sz="2000" dirty="0">
@@ -16840,30 +16766,6 @@
           </a:p>
         </p:txBody>
       </p:sp>
-      <p:pic>
-        <p:nvPicPr>
-          <p:cNvPr id="2" name="Picture 1" descr="b1"/>
-          <p:cNvPicPr>
-            <a:picLocks noChangeAspect="1"/>
-          </p:cNvPicPr>
-          <p:nvPr/>
-        </p:nvPicPr>
-        <p:blipFill>
-          <a:blip r:embed="rId1"/>
-          <a:stretch>
-            <a:fillRect/>
-          </a:stretch>
-        </p:blipFill>
-        <p:spPr>
-          <a:xfrm>
-            <a:off x="8086090" y="-194945"/>
-            <a:ext cx="1320800" cy="1320800"/>
-          </a:xfrm>
-          <a:prstGeom prst="ellipse">
-            <a:avLst/>
-          </a:prstGeom>
-        </p:spPr>
-      </p:pic>
     </p:spTree>
   </p:cSld>
   <p:clrMapOvr>
